--- a/advanced-java/Slides/Advanced Java.pptx
+++ b/advanced-java/Slides/Advanced Java.pptx
@@ -14,6 +14,8 @@
     <p:sldId id="262" r:id="rId8"/>
     <p:sldId id="263" r:id="rId9"/>
     <p:sldId id="264" r:id="rId10"/>
+    <p:sldId id="265" r:id="rId11"/>
+    <p:sldId id="266" r:id="rId12"/>
   </p:sldIdLst>
   <p:sldSz cx="12192000" cy="6858000"/>
   <p:notesSz cx="6858000" cy="9144000"/>
@@ -3877,6 +3879,261 @@
 </p:sld>
 </file>
 
+<file path=ppt/slides/slide10.xml><?xml version="1.0" encoding="utf-8"?>
+<p:sld xmlns:a="http://schemas.openxmlformats.org/drawingml/2006/main" xmlns:r="http://schemas.openxmlformats.org/officeDocument/2006/relationships" xmlns:p="http://schemas.openxmlformats.org/presentationml/2006/main">
+  <p:cSld>
+    <p:spTree>
+      <p:nvGrpSpPr>
+        <p:cNvPr id="1" name=""/>
+        <p:cNvGrpSpPr/>
+        <p:nvPr/>
+      </p:nvGrpSpPr>
+      <p:grpSpPr>
+        <a:xfrm>
+          <a:off x="0" y="0"/>
+          <a:ext cx="0" cy="0"/>
+          <a:chOff x="0" y="0"/>
+          <a:chExt cx="0" cy="0"/>
+        </a:xfrm>
+      </p:grpSpPr>
+      <p:sp>
+        <p:nvSpPr>
+          <p:cNvPr id="2" name="Title 1">
+            <a:extLst>
+              <a:ext uri="{FF2B5EF4-FFF2-40B4-BE49-F238E27FC236}">
+                <a16:creationId xmlns:a16="http://schemas.microsoft.com/office/drawing/2014/main" id="{43376E53-1A47-C18D-8F68-107EC22190E4}"/>
+              </a:ext>
+            </a:extLst>
+          </p:cNvPr>
+          <p:cNvSpPr>
+            <a:spLocks noGrp="1"/>
+          </p:cNvSpPr>
+          <p:nvPr>
+            <p:ph type="title"/>
+          </p:nvPr>
+        </p:nvSpPr>
+        <p:spPr/>
+        <p:txBody>
+          <a:bodyPr/>
+          <a:lstStyle/>
+          <a:p>
+            <a:r>
+              <a:rPr lang="en-US" dirty="0"/>
+              <a:t>Java Beans</a:t>
+            </a:r>
+          </a:p>
+        </p:txBody>
+      </p:sp>
+      <p:sp>
+        <p:nvSpPr>
+          <p:cNvPr id="3" name="Content Placeholder 2">
+            <a:extLst>
+              <a:ext uri="{FF2B5EF4-FFF2-40B4-BE49-F238E27FC236}">
+                <a16:creationId xmlns:a16="http://schemas.microsoft.com/office/drawing/2014/main" id="{98C80A11-A47E-2B2F-1B4A-B44BA01CBD1C}"/>
+              </a:ext>
+            </a:extLst>
+          </p:cNvPr>
+          <p:cNvSpPr>
+            <a:spLocks noGrp="1"/>
+          </p:cNvSpPr>
+          <p:nvPr>
+            <p:ph idx="1"/>
+          </p:nvPr>
+        </p:nvSpPr>
+        <p:spPr/>
+        <p:txBody>
+          <a:bodyPr/>
+          <a:lstStyle/>
+          <a:p>
+            <a:r>
+              <a:rPr lang="en-US" dirty="0"/>
+              <a:t>The beans of JavaBeans are classes that encapsulate one or more objects into a single standardized object.</a:t>
+            </a:r>
+          </a:p>
+          <a:p>
+            <a:r>
+              <a:rPr lang="en-US" dirty="0"/>
+              <a:t>It is a reusable software component and can be manipulated visually in a builder tool (any IDE)..</a:t>
+            </a:r>
+          </a:p>
+          <a:p>
+            <a:r>
+              <a:rPr lang="en-US" dirty="0"/>
+              <a:t>Properties:</a:t>
+            </a:r>
+          </a:p>
+          <a:p>
+            <a:pPr lvl="1"/>
+            <a:r>
+              <a:rPr lang="en-US" dirty="0"/>
+              <a:t>Should have a no-</a:t>
+            </a:r>
+            <a:r>
+              <a:rPr lang="en-US" dirty="0" err="1"/>
+              <a:t>args</a:t>
+            </a:r>
+            <a:r>
+              <a:rPr lang="en-US" dirty="0"/>
+              <a:t> constructor</a:t>
+            </a:r>
+          </a:p>
+          <a:p>
+            <a:pPr lvl="1"/>
+            <a:r>
+              <a:rPr lang="en-US" dirty="0"/>
+              <a:t>Have getters and setters, private properties</a:t>
+            </a:r>
+          </a:p>
+          <a:p>
+            <a:pPr lvl="1"/>
+            <a:r>
+              <a:rPr lang="en-US" dirty="0"/>
+              <a:t>Must be serializable</a:t>
+            </a:r>
+          </a:p>
+        </p:txBody>
+      </p:sp>
+    </p:spTree>
+    <p:extLst>
+      <p:ext uri="{BB962C8B-B14F-4D97-AF65-F5344CB8AC3E}">
+        <p14:creationId xmlns:p14="http://schemas.microsoft.com/office/powerpoint/2010/main" val="1023696093"/>
+      </p:ext>
+    </p:extLst>
+  </p:cSld>
+  <p:clrMapOvr>
+    <a:masterClrMapping/>
+  </p:clrMapOvr>
+</p:sld>
+</file>
+
+<file path=ppt/slides/slide11.xml><?xml version="1.0" encoding="utf-8"?>
+<p:sld xmlns:a="http://schemas.openxmlformats.org/drawingml/2006/main" xmlns:r="http://schemas.openxmlformats.org/officeDocument/2006/relationships" xmlns:p="http://schemas.openxmlformats.org/presentationml/2006/main">
+  <p:cSld>
+    <p:spTree>
+      <p:nvGrpSpPr>
+        <p:cNvPr id="1" name=""/>
+        <p:cNvGrpSpPr/>
+        <p:nvPr/>
+      </p:nvGrpSpPr>
+      <p:grpSpPr>
+        <a:xfrm>
+          <a:off x="0" y="0"/>
+          <a:ext cx="0" cy="0"/>
+          <a:chOff x="0" y="0"/>
+          <a:chExt cx="0" cy="0"/>
+        </a:xfrm>
+      </p:grpSpPr>
+      <p:sp>
+        <p:nvSpPr>
+          <p:cNvPr id="2" name="Title 1">
+            <a:extLst>
+              <a:ext uri="{FF2B5EF4-FFF2-40B4-BE49-F238E27FC236}">
+                <a16:creationId xmlns:a16="http://schemas.microsoft.com/office/drawing/2014/main" id="{3CA6801C-AF01-5819-0790-169D4E3B9694}"/>
+              </a:ext>
+            </a:extLst>
+          </p:cNvPr>
+          <p:cNvSpPr>
+            <a:spLocks noGrp="1"/>
+          </p:cNvSpPr>
+          <p:nvPr>
+            <p:ph type="title"/>
+          </p:nvPr>
+        </p:nvSpPr>
+        <p:spPr/>
+        <p:txBody>
+          <a:bodyPr/>
+          <a:lstStyle/>
+          <a:p>
+            <a:r>
+              <a:rPr lang="en-US" dirty="0"/>
+              <a:t>JSP and Servlet</a:t>
+            </a:r>
+          </a:p>
+        </p:txBody>
+      </p:sp>
+      <p:sp>
+        <p:nvSpPr>
+          <p:cNvPr id="3" name="Content Placeholder 2">
+            <a:extLst>
+              <a:ext uri="{FF2B5EF4-FFF2-40B4-BE49-F238E27FC236}">
+                <a16:creationId xmlns:a16="http://schemas.microsoft.com/office/drawing/2014/main" id="{C68C92ED-598E-3FF0-82BE-99B4B4449198}"/>
+              </a:ext>
+            </a:extLst>
+          </p:cNvPr>
+          <p:cNvSpPr>
+            <a:spLocks noGrp="1"/>
+          </p:cNvSpPr>
+          <p:nvPr>
+            <p:ph idx="1"/>
+          </p:nvPr>
+        </p:nvSpPr>
+        <p:spPr/>
+        <p:txBody>
+          <a:bodyPr/>
+          <a:lstStyle/>
+          <a:p>
+            <a:r>
+              <a:rPr lang="en-US" dirty="0"/>
+              <a:t>Client requests server for information and Server (Tomcat,  </a:t>
+            </a:r>
+            <a:r>
+              <a:rPr lang="en-US" dirty="0" err="1"/>
+              <a:t>Jboss</a:t>
+            </a:r>
+            <a:r>
+              <a:rPr lang="en-US" dirty="0"/>
+              <a:t>, </a:t>
+            </a:r>
+            <a:r>
+              <a:rPr lang="en-US" dirty="0" err="1"/>
+              <a:t>GlassFish</a:t>
+            </a:r>
+            <a:r>
+              <a:rPr lang="en-US" dirty="0"/>
+              <a:t>) accesses the Web container in an application to process the request and provide response to the client.</a:t>
+            </a:r>
+          </a:p>
+          <a:p>
+            <a:r>
+              <a:rPr lang="en-US" dirty="0"/>
+              <a:t>Deployment descriptor: web.xml </a:t>
+            </a:r>
+            <a:r>
+              <a:rPr lang="en-US" dirty="0">
+                <a:sym typeface="Wingdings" panose="05000000000000000000" pitchFamily="2" charset="2"/>
+              </a:rPr>
+              <a:t> Which request should call </a:t>
+            </a:r>
+            <a:r>
+              <a:rPr lang="en-US">
+                <a:sym typeface="Wingdings" panose="05000000000000000000" pitchFamily="2" charset="2"/>
+              </a:rPr>
+              <a:t>which method</a:t>
+            </a:r>
+            <a:endParaRPr lang="en-US" dirty="0"/>
+          </a:p>
+          <a:p>
+            <a:pPr lvl="1"/>
+            <a:r>
+              <a:rPr lang="en-US" dirty="0"/>
+              <a:t>This contains servlets and servlet mappings</a:t>
+            </a:r>
+          </a:p>
+        </p:txBody>
+      </p:sp>
+    </p:spTree>
+    <p:extLst>
+      <p:ext uri="{BB962C8B-B14F-4D97-AF65-F5344CB8AC3E}">
+        <p14:creationId xmlns:p14="http://schemas.microsoft.com/office/powerpoint/2010/main" val="2396375790"/>
+      </p:ext>
+    </p:extLst>
+  </p:cSld>
+  <p:clrMapOvr>
+    <a:masterClrMapping/>
+  </p:clrMapOvr>
+</p:sld>
+</file>
+
 <file path=ppt/slides/slide2.xml><?xml version="1.0" encoding="utf-8"?>
 <p:sld xmlns:a="http://schemas.openxmlformats.org/drawingml/2006/main" xmlns:r="http://schemas.openxmlformats.org/officeDocument/2006/relationships" xmlns:p="http://schemas.openxmlformats.org/presentationml/2006/main">
   <p:cSld>

--- a/advanced-java/Slides/Advanced Java.pptx
+++ b/advanced-java/Slides/Advanced Java.pptx
@@ -16,6 +16,7 @@
     <p:sldId id="264" r:id="rId10"/>
     <p:sldId id="265" r:id="rId11"/>
     <p:sldId id="266" r:id="rId12"/>
+    <p:sldId id="267" r:id="rId13"/>
   </p:sldIdLst>
   <p:sldSz cx="12192000" cy="6858000"/>
   <p:notesSz cx="6858000" cy="9144000"/>
@@ -4102,22 +4103,47 @@
               <a:rPr lang="en-US" dirty="0">
                 <a:sym typeface="Wingdings" panose="05000000000000000000" pitchFamily="2" charset="2"/>
               </a:rPr>
-              <a:t> Which request should call </a:t>
-            </a:r>
-            <a:r>
-              <a:rPr lang="en-US">
+              <a:t> Which request should call which method</a:t>
+            </a:r>
+          </a:p>
+          <a:p>
+            <a:pPr lvl="1"/>
+            <a:r>
+              <a:rPr lang="en-US" dirty="0"/>
+              <a:t>This contains servlets and servlet mappings</a:t>
+            </a:r>
+          </a:p>
+          <a:p>
+            <a:r>
+              <a:rPr lang="en-US" dirty="0"/>
+              <a:t>Extend the class with a </a:t>
+            </a:r>
+            <a:r>
+              <a:rPr lang="en-US" dirty="0" err="1"/>
+              <a:t>HttpServlet</a:t>
+            </a:r>
+            <a:endParaRPr lang="en-US" dirty="0"/>
+          </a:p>
+          <a:p>
+            <a:r>
+              <a:rPr lang="en-US" dirty="0" err="1"/>
+              <a:t>RequestDispatcher</a:t>
+            </a:r>
+            <a:r>
+              <a:rPr lang="en-US" dirty="0"/>
+              <a:t> </a:t>
+            </a:r>
+            <a:r>
+              <a:rPr lang="en-US" dirty="0">
                 <a:sym typeface="Wingdings" panose="05000000000000000000" pitchFamily="2" charset="2"/>
               </a:rPr>
-              <a:t>which method</a:t>
+              <a:t> Call servlet from a servlet</a:t>
             </a:r>
             <a:endParaRPr lang="en-US" dirty="0"/>
           </a:p>
           <a:p>
             <a:pPr lvl="1"/>
-            <a:r>
-              <a:rPr lang="en-US" dirty="0"/>
-              <a:t>This contains servlets and servlet mappings</a:t>
-            </a:r>
+            <a:endParaRPr lang="en-US" dirty="0"/>
           </a:p>
         </p:txBody>
       </p:sp>
@@ -4125,6 +4151,135 @@
     <p:extLst>
       <p:ext uri="{BB962C8B-B14F-4D97-AF65-F5344CB8AC3E}">
         <p14:creationId xmlns:p14="http://schemas.microsoft.com/office/powerpoint/2010/main" val="2396375790"/>
+      </p:ext>
+    </p:extLst>
+  </p:cSld>
+  <p:clrMapOvr>
+    <a:masterClrMapping/>
+  </p:clrMapOvr>
+</p:sld>
+</file>
+
+<file path=ppt/slides/slide12.xml><?xml version="1.0" encoding="utf-8"?>
+<p:sld xmlns:a="http://schemas.openxmlformats.org/drawingml/2006/main" xmlns:r="http://schemas.openxmlformats.org/officeDocument/2006/relationships" xmlns:p="http://schemas.openxmlformats.org/presentationml/2006/main">
+  <p:cSld>
+    <p:spTree>
+      <p:nvGrpSpPr>
+        <p:cNvPr id="1" name=""/>
+        <p:cNvGrpSpPr/>
+        <p:nvPr/>
+      </p:nvGrpSpPr>
+      <p:grpSpPr>
+        <a:xfrm>
+          <a:off x="0" y="0"/>
+          <a:ext cx="0" cy="0"/>
+          <a:chOff x="0" y="0"/>
+          <a:chExt cx="0" cy="0"/>
+        </a:xfrm>
+      </p:grpSpPr>
+      <p:sp>
+        <p:nvSpPr>
+          <p:cNvPr id="2" name="Title 1">
+            <a:extLst>
+              <a:ext uri="{FF2B5EF4-FFF2-40B4-BE49-F238E27FC236}">
+                <a16:creationId xmlns:a16="http://schemas.microsoft.com/office/drawing/2014/main" id="{A41203A9-A78C-84DE-DF62-9A5576FD69FE}"/>
+              </a:ext>
+            </a:extLst>
+          </p:cNvPr>
+          <p:cNvSpPr>
+            <a:spLocks noGrp="1"/>
+          </p:cNvSpPr>
+          <p:nvPr>
+            <p:ph type="title"/>
+          </p:nvPr>
+        </p:nvSpPr>
+        <p:spPr/>
+        <p:txBody>
+          <a:bodyPr/>
+          <a:lstStyle/>
+          <a:p>
+            <a:r>
+              <a:rPr lang="en-US" dirty="0"/>
+              <a:t>Servlet Config and servlet context</a:t>
+            </a:r>
+          </a:p>
+        </p:txBody>
+      </p:sp>
+      <p:sp>
+        <p:nvSpPr>
+          <p:cNvPr id="3" name="Content Placeholder 2">
+            <a:extLst>
+              <a:ext uri="{FF2B5EF4-FFF2-40B4-BE49-F238E27FC236}">
+                <a16:creationId xmlns:a16="http://schemas.microsoft.com/office/drawing/2014/main" id="{C0DAEFB2-797C-C81B-5985-B62C379CEE25}"/>
+              </a:ext>
+            </a:extLst>
+          </p:cNvPr>
+          <p:cNvSpPr>
+            <a:spLocks noGrp="1"/>
+          </p:cNvSpPr>
+          <p:nvPr>
+            <p:ph idx="1"/>
+          </p:nvPr>
+        </p:nvSpPr>
+        <p:spPr/>
+        <p:txBody>
+          <a:bodyPr/>
+          <a:lstStyle/>
+          <a:p>
+            <a:r>
+              <a:rPr lang="en-US" dirty="0"/>
+              <a:t>Used to fetch the initial values for a servlet</a:t>
+            </a:r>
+          </a:p>
+          <a:p>
+            <a:r>
+              <a:rPr lang="en-US" dirty="0"/>
+              <a:t>These are shared by all the servlets in the web.xml</a:t>
+            </a:r>
+          </a:p>
+          <a:p>
+            <a:r>
+              <a:rPr lang="en-US" dirty="0"/>
+              <a:t>Use web.xml </a:t>
+            </a:r>
+            <a:r>
+              <a:rPr lang="en-US" dirty="0">
+                <a:sym typeface="Wingdings" panose="05000000000000000000" pitchFamily="2" charset="2"/>
+              </a:rPr>
+              <a:t> Deployment descriptor</a:t>
+            </a:r>
+          </a:p>
+          <a:p>
+            <a:pPr lvl="1"/>
+            <a:r>
+              <a:rPr lang="en-US" dirty="0">
+                <a:sym typeface="Wingdings" panose="05000000000000000000" pitchFamily="2" charset="2"/>
+              </a:rPr>
+              <a:t>&lt;context-param&gt;, &lt;param-name&gt; and &lt;param-value&gt;</a:t>
+            </a:r>
+          </a:p>
+          <a:p>
+            <a:r>
+              <a:rPr lang="en-US" dirty="0">
+                <a:sym typeface="Wingdings" panose="05000000000000000000" pitchFamily="2" charset="2"/>
+              </a:rPr>
+              <a:t>If we have 5 servlet tags, we have 5 servlet configs but only one servlet context</a:t>
+            </a:r>
+          </a:p>
+          <a:p>
+            <a:r>
+              <a:rPr lang="en-US" dirty="0">
+                <a:sym typeface="Wingdings" panose="05000000000000000000" pitchFamily="2" charset="2"/>
+              </a:rPr>
+              <a:t>Hence to initialize values for only one servlet, use servlet context</a:t>
+            </a:r>
+          </a:p>
+        </p:txBody>
+      </p:sp>
+    </p:spTree>
+    <p:extLst>
+      <p:ext uri="{BB962C8B-B14F-4D97-AF65-F5344CB8AC3E}">
+        <p14:creationId xmlns:p14="http://schemas.microsoft.com/office/powerpoint/2010/main" val="3674219077"/>
       </p:ext>
     </p:extLst>
   </p:cSld>

--- a/advanced-java/Slides/Advanced Java.pptx
+++ b/advanced-java/Slides/Advanced Java.pptx
@@ -17,6 +17,7 @@
     <p:sldId id="265" r:id="rId11"/>
     <p:sldId id="266" r:id="rId12"/>
     <p:sldId id="267" r:id="rId13"/>
+    <p:sldId id="268" r:id="rId14"/>
   </p:sldIdLst>
   <p:sldSz cx="12192000" cy="6858000"/>
   <p:notesSz cx="6858000" cy="9144000"/>
@@ -369,7 +370,7 @@
             <a:fld id="{B61BEF0D-F0BB-DE4B-95CE-6DB70DBA9567}" type="datetimeFigureOut">
               <a:rPr lang="en-US" dirty="0"/>
               <a:pPr/>
-              <a:t>11/4/2023</a:t>
+              <a:t>11/5/2023</a:t>
             </a:fld>
             <a:endParaRPr lang="en-US" dirty="0"/>
           </a:p>
@@ -628,7 +629,7 @@
             <a:fld id="{B61BEF0D-F0BB-DE4B-95CE-6DB70DBA9567}" type="datetimeFigureOut">
               <a:rPr lang="en-US" dirty="0"/>
               <a:pPr/>
-              <a:t>11/4/2023</a:t>
+              <a:t>11/5/2023</a:t>
             </a:fld>
             <a:endParaRPr lang="en-US" dirty="0"/>
           </a:p>
@@ -860,7 +861,7 @@
             <a:fld id="{B61BEF0D-F0BB-DE4B-95CE-6DB70DBA9567}" type="datetimeFigureOut">
               <a:rPr lang="en-US" dirty="0"/>
               <a:pPr/>
-              <a:t>11/4/2023</a:t>
+              <a:t>11/5/2023</a:t>
             </a:fld>
             <a:endParaRPr lang="en-US" dirty="0"/>
           </a:p>
@@ -1097,7 +1098,7 @@
             <a:fld id="{B61BEF0D-F0BB-DE4B-95CE-6DB70DBA9567}" type="datetimeFigureOut">
               <a:rPr lang="en-US" dirty="0"/>
               <a:pPr/>
-              <a:t>11/4/2023</a:t>
+              <a:t>11/5/2023</a:t>
             </a:fld>
             <a:endParaRPr lang="en-US" dirty="0"/>
           </a:p>
@@ -1401,7 +1402,7 @@
             <a:fld id="{B61BEF0D-F0BB-DE4B-95CE-6DB70DBA9567}" type="datetimeFigureOut">
               <a:rPr lang="en-US" dirty="0"/>
               <a:pPr/>
-              <a:t>11/4/2023</a:t>
+              <a:t>11/5/2023</a:t>
             </a:fld>
             <a:endParaRPr lang="en-US" dirty="0"/>
           </a:p>
@@ -1700,7 +1701,7 @@
             <a:fld id="{B61BEF0D-F0BB-DE4B-95CE-6DB70DBA9567}" type="datetimeFigureOut">
               <a:rPr lang="en-US" dirty="0"/>
               <a:pPr/>
-              <a:t>11/4/2023</a:t>
+              <a:t>11/5/2023</a:t>
             </a:fld>
             <a:endParaRPr lang="en-US" dirty="0"/>
           </a:p>
@@ -2119,7 +2120,7 @@
             <a:fld id="{B61BEF0D-F0BB-DE4B-95CE-6DB70DBA9567}" type="datetimeFigureOut">
               <a:rPr lang="en-US" dirty="0"/>
               <a:pPr/>
-              <a:t>11/4/2023</a:t>
+              <a:t>11/5/2023</a:t>
             </a:fld>
             <a:endParaRPr lang="en-US" dirty="0"/>
           </a:p>
@@ -2278,7 +2279,7 @@
             <a:fld id="{B61BEF0D-F0BB-DE4B-95CE-6DB70DBA9567}" type="datetimeFigureOut">
               <a:rPr lang="en-US" dirty="0"/>
               <a:pPr/>
-              <a:t>11/4/2023</a:t>
+              <a:t>11/5/2023</a:t>
             </a:fld>
             <a:endParaRPr lang="en-US" dirty="0"/>
           </a:p>
@@ -2370,7 +2371,7 @@
             <a:fld id="{B61BEF0D-F0BB-DE4B-95CE-6DB70DBA9567}" type="datetimeFigureOut">
               <a:rPr lang="en-US" dirty="0"/>
               <a:pPr/>
-              <a:t>11/4/2023</a:t>
+              <a:t>11/5/2023</a:t>
             </a:fld>
             <a:endParaRPr lang="en-US" dirty="0"/>
           </a:p>
@@ -2745,7 +2746,7 @@
             <a:fld id="{B61BEF0D-F0BB-DE4B-95CE-6DB70DBA9567}" type="datetimeFigureOut">
               <a:rPr lang="en-US" dirty="0"/>
               <a:pPr/>
-              <a:t>11/4/2023</a:t>
+              <a:t>11/5/2023</a:t>
             </a:fld>
             <a:endParaRPr lang="en-US" dirty="0"/>
           </a:p>
@@ -3031,7 +3032,7 @@
             <a:fld id="{B61BEF0D-F0BB-DE4B-95CE-6DB70DBA9567}" type="datetimeFigureOut">
               <a:rPr lang="en-US" dirty="0"/>
               <a:pPr/>
-              <a:t>11/4/2023</a:t>
+              <a:t>11/5/2023</a:t>
             </a:fld>
             <a:endParaRPr lang="en-US" dirty="0"/>
           </a:p>
@@ -3239,7 +3240,7 @@
             <a:fld id="{B61BEF0D-F0BB-DE4B-95CE-6DB70DBA9567}" type="datetimeFigureOut">
               <a:rPr lang="en-US" dirty="0"/>
               <a:pPr/>
-              <a:t>11/4/2023</a:t>
+              <a:t>11/5/2023</a:t>
             </a:fld>
             <a:endParaRPr lang="en-US" dirty="0"/>
           </a:p>
@@ -4289,6 +4290,403 @@
 </p:sld>
 </file>
 
+<file path=ppt/slides/slide13.xml><?xml version="1.0" encoding="utf-8"?>
+<p:sld xmlns:a="http://schemas.openxmlformats.org/drawingml/2006/main" xmlns:r="http://schemas.openxmlformats.org/officeDocument/2006/relationships" xmlns:p="http://schemas.openxmlformats.org/presentationml/2006/main">
+  <p:cSld>
+    <p:spTree>
+      <p:nvGrpSpPr>
+        <p:cNvPr id="1" name=""/>
+        <p:cNvGrpSpPr/>
+        <p:nvPr/>
+      </p:nvGrpSpPr>
+      <p:grpSpPr>
+        <a:xfrm>
+          <a:off x="0" y="0"/>
+          <a:ext cx="0" cy="0"/>
+          <a:chOff x="0" y="0"/>
+          <a:chExt cx="0" cy="0"/>
+        </a:xfrm>
+      </p:grpSpPr>
+      <p:sp>
+        <p:nvSpPr>
+          <p:cNvPr id="2" name="Title 1">
+            <a:extLst>
+              <a:ext uri="{FF2B5EF4-FFF2-40B4-BE49-F238E27FC236}">
+                <a16:creationId xmlns:a16="http://schemas.microsoft.com/office/drawing/2014/main" id="{916C2288-251A-E390-A027-2BEFF7232721}"/>
+              </a:ext>
+            </a:extLst>
+          </p:cNvPr>
+          <p:cNvSpPr>
+            <a:spLocks noGrp="1"/>
+          </p:cNvSpPr>
+          <p:nvPr>
+            <p:ph type="title"/>
+          </p:nvPr>
+        </p:nvSpPr>
+        <p:spPr/>
+        <p:txBody>
+          <a:bodyPr/>
+          <a:lstStyle/>
+          <a:p>
+            <a:r>
+              <a:rPr lang="en-US" dirty="0"/>
+              <a:t>Java server pages - JSP</a:t>
+            </a:r>
+          </a:p>
+        </p:txBody>
+      </p:sp>
+      <mc:AlternateContent xmlns:mc="http://schemas.openxmlformats.org/markup-compatibility/2006">
+        <mc:Choice xmlns:a14="http://schemas.microsoft.com/office/drawing/2010/main" Requires="a14">
+          <p:sp>
+            <p:nvSpPr>
+              <p:cNvPr id="3" name="Content Placeholder 2">
+                <a:extLst>
+                  <a:ext uri="{FF2B5EF4-FFF2-40B4-BE49-F238E27FC236}">
+                    <a16:creationId xmlns:a16="http://schemas.microsoft.com/office/drawing/2014/main" id="{FA328E98-53A2-F8DD-DCAD-9C3193A1CDCC}"/>
+                  </a:ext>
+                </a:extLst>
+              </p:cNvPr>
+              <p:cNvSpPr>
+                <a:spLocks noGrp="1"/>
+              </p:cNvSpPr>
+              <p:nvPr>
+                <p:ph idx="1"/>
+              </p:nvPr>
+            </p:nvSpPr>
+            <p:spPr/>
+            <p:txBody>
+              <a:bodyPr/>
+              <a:lstStyle/>
+              <a:p>
+                <a:r>
+                  <a:rPr lang="en-US" dirty="0"/>
+                  <a:t>A Technology for developing Webpages that supports dynamic content. </a:t>
+                </a:r>
+              </a:p>
+              <a:p>
+                <a:r>
+                  <a:rPr lang="en-US" dirty="0"/>
+                  <a:t>This helps developers insert java code in HTML pages by making use of special JSP tags, most of which start with &lt;% and end with %&gt;</a:t>
+                </a:r>
+              </a:p>
+              <a:p>
+                <a:r>
+                  <a:rPr lang="en-US" dirty="0"/>
+                  <a:t>Conversion:</a:t>
+                </a:r>
+              </a:p>
+              <a:p>
+                <a:pPr lvl="1"/>
+                <a:r>
+                  <a:rPr lang="en-US" dirty="0"/>
+                  <a:t>To import use </a:t>
+                </a:r>
+                <a:r>
+                  <a:rPr lang="en-US" dirty="0">
+                    <a:sym typeface="Wingdings" panose="05000000000000000000" pitchFamily="2" charset="2"/>
+                  </a:rPr>
+                  <a:t> </a:t>
+                </a:r>
+                <a14:m>
+                  <m:oMath xmlns:m="http://schemas.openxmlformats.org/officeDocument/2006/math">
+                    <m:r>
+                      <a:rPr lang="en-US" i="1" dirty="0" smtClean="0">
+                        <a:latin typeface="Cambria Math" panose="02040503050406030204" pitchFamily="18" charset="0"/>
+                        <a:sym typeface="Wingdings" panose="05000000000000000000" pitchFamily="2" charset="2"/>
+                      </a:rPr>
+                      <m:t>&lt;</m:t>
+                    </m:r>
+                    <m:r>
+                      <a:rPr lang="en-US" i="1" dirty="0" smtClean="0">
+                        <a:latin typeface="Cambria Math" panose="02040503050406030204" pitchFamily="18" charset="0"/>
+                        <a:sym typeface="Wingdings" panose="05000000000000000000" pitchFamily="2" charset="2"/>
+                        <a:hlinkClick r:id="rId2"/>
+                      </a:rPr>
+                      <m:t>%@</m:t>
+                    </m:r>
+                    <m:r>
+                      <a:rPr lang="en-US" i="1" dirty="0" smtClean="0">
+                        <a:latin typeface="Cambria Math" panose="02040503050406030204" pitchFamily="18" charset="0"/>
+                        <a:sym typeface="Wingdings" panose="05000000000000000000" pitchFamily="2" charset="2"/>
+                        <a:hlinkClick r:id="rId2"/>
+                      </a:rPr>
+                      <m:t>𝑝𝑎𝑔𝑒</m:t>
+                    </m:r>
+                    <m:r>
+                      <a:rPr lang="en-US" i="1" dirty="0" smtClean="0">
+                        <a:latin typeface="Cambria Math" panose="02040503050406030204" pitchFamily="18" charset="0"/>
+                        <a:sym typeface="Wingdings" panose="05000000000000000000" pitchFamily="2" charset="2"/>
+                        <a:hlinkClick r:id="rId2"/>
+                      </a:rPr>
+                      <m:t> </m:t>
+                    </m:r>
+                    <m:r>
+                      <a:rPr lang="en-US" i="1" dirty="0" smtClean="0">
+                        <a:latin typeface="Cambria Math" panose="02040503050406030204" pitchFamily="18" charset="0"/>
+                        <a:sym typeface="Wingdings" panose="05000000000000000000" pitchFamily="2" charset="2"/>
+                        <a:hlinkClick r:id="rId2"/>
+                      </a:rPr>
+                      <m:t>𝑖𝑚𝑝𝑜𝑟𝑡</m:t>
+                    </m:r>
+                    <m:r>
+                      <a:rPr lang="en-US" i="1" dirty="0" smtClean="0">
+                        <a:latin typeface="Cambria Math" panose="02040503050406030204" pitchFamily="18" charset="0"/>
+                        <a:sym typeface="Wingdings" panose="05000000000000000000" pitchFamily="2" charset="2"/>
+                        <a:hlinkClick r:id="rId2"/>
+                      </a:rPr>
+                      <m:t> =“</m:t>
+                    </m:r>
+                    <m:r>
+                      <a:rPr lang="en-US" i="1" dirty="0" err="1" smtClean="0">
+                        <a:latin typeface="Cambria Math" panose="02040503050406030204" pitchFamily="18" charset="0"/>
+                        <a:sym typeface="Wingdings" panose="05000000000000000000" pitchFamily="2" charset="2"/>
+                        <a:hlinkClick r:id="rId2"/>
+                      </a:rPr>
+                      <m:t>𝑗𝑎𝑣𝑎</m:t>
+                    </m:r>
+                    <m:r>
+                      <a:rPr lang="en-US" i="1" dirty="0" err="1" smtClean="0">
+                        <a:latin typeface="Cambria Math" panose="02040503050406030204" pitchFamily="18" charset="0"/>
+                        <a:sym typeface="Wingdings" panose="05000000000000000000" pitchFamily="2" charset="2"/>
+                        <a:hlinkClick r:id="rId2"/>
+                      </a:rPr>
+                      <m:t>.</m:t>
+                    </m:r>
+                    <m:r>
+                      <a:rPr lang="en-US" i="1" dirty="0" err="1" smtClean="0">
+                        <a:latin typeface="Cambria Math" panose="02040503050406030204" pitchFamily="18" charset="0"/>
+                        <a:sym typeface="Wingdings" panose="05000000000000000000" pitchFamily="2" charset="2"/>
+                        <a:hlinkClick r:id="rId2"/>
+                      </a:rPr>
+                      <m:t>𝑢𝑡𝑖𝑙</m:t>
+                    </m:r>
+                    <m:r>
+                      <a:rPr lang="en-US" i="1" dirty="0" smtClean="0">
+                        <a:latin typeface="Cambria Math" panose="02040503050406030204" pitchFamily="18" charset="0"/>
+                        <a:sym typeface="Wingdings" panose="05000000000000000000" pitchFamily="2" charset="2"/>
+                        <a:hlinkClick r:id="rId2"/>
+                      </a:rPr>
+                      <m:t>” %</m:t>
+                    </m:r>
+                    <m:r>
+                      <a:rPr lang="en-US" i="1" dirty="0" smtClean="0">
+                        <a:latin typeface="Cambria Math" panose="02040503050406030204" pitchFamily="18" charset="0"/>
+                        <a:sym typeface="Wingdings" panose="05000000000000000000" pitchFamily="2" charset="2"/>
+                      </a:rPr>
+                      <m:t>&gt; </m:t>
+                    </m:r>
+                  </m:oMath>
+                </a14:m>
+                <a:r>
+                  <a:rPr lang="en-US" dirty="0">
+                    <a:sym typeface="Wingdings" panose="05000000000000000000" pitchFamily="2" charset="2"/>
+                  </a:rPr>
+                  <a:t> this is directive</a:t>
+                </a:r>
+              </a:p>
+              <a:p>
+                <a:pPr lvl="1"/>
+                <a:r>
+                  <a:rPr lang="en-US" dirty="0">
+                    <a:sym typeface="Wingdings" panose="05000000000000000000" pitchFamily="2" charset="2"/>
+                  </a:rPr>
+                  <a:t>To add local variables  </a:t>
+                </a:r>
+                <a14:m>
+                  <m:oMath xmlns:m="http://schemas.openxmlformats.org/officeDocument/2006/math">
+                    <m:r>
+                      <a:rPr lang="en-US" i="1" dirty="0" smtClean="0">
+                        <a:latin typeface="Cambria Math" panose="02040503050406030204" pitchFamily="18" charset="0"/>
+                        <a:sym typeface="Wingdings" panose="05000000000000000000" pitchFamily="2" charset="2"/>
+                      </a:rPr>
+                      <m:t>&lt;%! </m:t>
+                    </m:r>
+                    <m:r>
+                      <a:rPr lang="en-US" i="1" dirty="0" smtClean="0">
+                        <a:latin typeface="Cambria Math" panose="02040503050406030204" pitchFamily="18" charset="0"/>
+                        <a:sym typeface="Wingdings" panose="05000000000000000000" pitchFamily="2" charset="2"/>
+                      </a:rPr>
+                      <m:t>𝑖𝑛𝑡</m:t>
+                    </m:r>
+                    <m:r>
+                      <a:rPr lang="en-US" i="1" dirty="0" smtClean="0">
+                        <a:latin typeface="Cambria Math" panose="02040503050406030204" pitchFamily="18" charset="0"/>
+                        <a:sym typeface="Wingdings" panose="05000000000000000000" pitchFamily="2" charset="2"/>
+                      </a:rPr>
+                      <m:t> </m:t>
+                    </m:r>
+                    <m:r>
+                      <a:rPr lang="en-US" i="1" dirty="0" smtClean="0">
+                        <a:latin typeface="Cambria Math" panose="02040503050406030204" pitchFamily="18" charset="0"/>
+                        <a:sym typeface="Wingdings" panose="05000000000000000000" pitchFamily="2" charset="2"/>
+                      </a:rPr>
+                      <m:t>𝑥</m:t>
+                    </m:r>
+                    <m:r>
+                      <a:rPr lang="en-US" i="1" dirty="0" smtClean="0">
+                        <a:latin typeface="Cambria Math" panose="02040503050406030204" pitchFamily="18" charset="0"/>
+                        <a:sym typeface="Wingdings" panose="05000000000000000000" pitchFamily="2" charset="2"/>
+                      </a:rPr>
+                      <m:t> = 9 %&gt;</m:t>
+                    </m:r>
+                  </m:oMath>
+                </a14:m>
+                <a:r>
+                  <a:rPr lang="en-US" dirty="0">
+                    <a:sym typeface="Wingdings" panose="05000000000000000000" pitchFamily="2" charset="2"/>
+                  </a:rPr>
+                  <a:t>  this is declarative</a:t>
+                </a:r>
+              </a:p>
+              <a:p>
+                <a:pPr lvl="1"/>
+                <a:r>
+                  <a:rPr lang="en-US" dirty="0">
+                    <a:sym typeface="Wingdings" panose="05000000000000000000" pitchFamily="2" charset="2"/>
+                  </a:rPr>
+                  <a:t>To add java code  </a:t>
+                </a:r>
+                <a14:m>
+                  <m:oMath xmlns:m="http://schemas.openxmlformats.org/officeDocument/2006/math">
+                    <m:r>
+                      <a:rPr lang="en-US" i="1" dirty="0" smtClean="0">
+                        <a:latin typeface="Cambria Math" panose="02040503050406030204" pitchFamily="18" charset="0"/>
+                        <a:sym typeface="Wingdings" panose="05000000000000000000" pitchFamily="2" charset="2"/>
+                      </a:rPr>
+                      <m:t>&lt;% %&gt;</m:t>
+                    </m:r>
+                  </m:oMath>
+                </a14:m>
+                <a:r>
+                  <a:rPr lang="en-US" dirty="0">
+                    <a:sym typeface="Wingdings" panose="05000000000000000000" pitchFamily="2" charset="2"/>
+                  </a:rPr>
+                  <a:t>  this is </a:t>
+                </a:r>
+                <a:r>
+                  <a:rPr lang="en-US" dirty="0" err="1">
+                    <a:sym typeface="Wingdings" panose="05000000000000000000" pitchFamily="2" charset="2"/>
+                  </a:rPr>
+                  <a:t>scriplet</a:t>
+                </a:r>
+                <a:endParaRPr lang="en-US" dirty="0">
+                  <a:sym typeface="Wingdings" panose="05000000000000000000" pitchFamily="2" charset="2"/>
+                </a:endParaRPr>
+              </a:p>
+              <a:p>
+                <a:pPr lvl="1"/>
+                <a:r>
+                  <a:rPr lang="en-US" dirty="0">
+                    <a:sym typeface="Wingdings" panose="05000000000000000000" pitchFamily="2" charset="2"/>
+                  </a:rPr>
+                  <a:t>To add the response object  </a:t>
+                </a:r>
+                <a14:m>
+                  <m:oMath xmlns:m="http://schemas.openxmlformats.org/officeDocument/2006/math">
+                    <m:r>
+                      <a:rPr lang="en-US" i="1" dirty="0" smtClean="0">
+                        <a:latin typeface="Cambria Math" panose="02040503050406030204" pitchFamily="18" charset="0"/>
+                        <a:sym typeface="Wingdings" panose="05000000000000000000" pitchFamily="2" charset="2"/>
+                      </a:rPr>
+                      <m:t>&lt;%=</m:t>
+                    </m:r>
+                    <m:r>
+                      <a:rPr lang="en-US" i="1" dirty="0">
+                        <a:latin typeface="Cambria Math" panose="02040503050406030204" pitchFamily="18" charset="0"/>
+                        <a:sym typeface="Wingdings" panose="05000000000000000000" pitchFamily="2" charset="2"/>
+                      </a:rPr>
+                      <m:t> </m:t>
+                    </m:r>
+                    <m:r>
+                      <a:rPr lang="en-US" i="1" dirty="0" smtClean="0">
+                        <a:latin typeface="Cambria Math" panose="02040503050406030204" pitchFamily="18" charset="0"/>
+                        <a:sym typeface="Wingdings" panose="05000000000000000000" pitchFamily="2" charset="2"/>
+                      </a:rPr>
+                      <m:t>𝑘</m:t>
+                    </m:r>
+                    <m:r>
+                      <a:rPr lang="en-US" i="1" dirty="0">
+                        <a:latin typeface="Cambria Math" panose="02040503050406030204" pitchFamily="18" charset="0"/>
+                        <a:sym typeface="Wingdings" panose="05000000000000000000" pitchFamily="2" charset="2"/>
+                      </a:rPr>
+                      <m:t> </m:t>
+                    </m:r>
+                    <m:r>
+                      <a:rPr lang="en-US" i="1" dirty="0" smtClean="0">
+                        <a:latin typeface="Cambria Math" panose="02040503050406030204" pitchFamily="18" charset="0"/>
+                        <a:sym typeface="Wingdings" panose="05000000000000000000" pitchFamily="2" charset="2"/>
+                      </a:rPr>
+                      <m:t>%&gt;</m:t>
+                    </m:r>
+                  </m:oMath>
+                </a14:m>
+                <a:r>
+                  <a:rPr lang="en-US" dirty="0">
+                    <a:sym typeface="Wingdings" panose="05000000000000000000" pitchFamily="2" charset="2"/>
+                  </a:rPr>
+                  <a:t>  this is expression</a:t>
+                </a:r>
+              </a:p>
+              <a:p>
+                <a:pPr lvl="1"/>
+                <a:endParaRPr lang="en-US" dirty="0"/>
+              </a:p>
+            </p:txBody>
+          </p:sp>
+        </mc:Choice>
+        <mc:Fallback>
+          <p:sp>
+            <p:nvSpPr>
+              <p:cNvPr id="3" name="Content Placeholder 2">
+                <a:extLst>
+                  <a:ext uri="{FF2B5EF4-FFF2-40B4-BE49-F238E27FC236}">
+                    <a16:creationId xmlns:a16="http://schemas.microsoft.com/office/drawing/2014/main" id="{FA328E98-53A2-F8DD-DCAD-9C3193A1CDCC}"/>
+                  </a:ext>
+                </a:extLst>
+              </p:cNvPr>
+              <p:cNvSpPr>
+                <a:spLocks noGrp="1" noRot="1" noChangeAspect="1" noMove="1" noResize="1" noEditPoints="1" noAdjustHandles="1" noChangeArrowheads="1" noChangeShapeType="1" noTextEdit="1"/>
+              </p:cNvSpPr>
+              <p:nvPr>
+                <p:ph idx="1"/>
+              </p:nvPr>
+            </p:nvSpPr>
+            <p:spPr>
+              <a:blipFill>
+                <a:blip r:embed="rId3"/>
+                <a:stretch>
+                  <a:fillRect l="-221"/>
+                </a:stretch>
+              </a:blipFill>
+            </p:spPr>
+            <p:txBody>
+              <a:bodyPr/>
+              <a:lstStyle/>
+              <a:p>
+                <a:r>
+                  <a:rPr lang="en-US">
+                    <a:noFill/>
+                  </a:rPr>
+                  <a:t> </a:t>
+                </a:r>
+              </a:p>
+            </p:txBody>
+          </p:sp>
+        </mc:Fallback>
+      </mc:AlternateContent>
+    </p:spTree>
+    <p:extLst>
+      <p:ext uri="{BB962C8B-B14F-4D97-AF65-F5344CB8AC3E}">
+        <p14:creationId xmlns:p14="http://schemas.microsoft.com/office/powerpoint/2010/main" val="1863598917"/>
+      </p:ext>
+    </p:extLst>
+  </p:cSld>
+  <p:clrMapOvr>
+    <a:masterClrMapping/>
+  </p:clrMapOvr>
+</p:sld>
+</file>
+
 <file path=ppt/slides/slide2.xml><?xml version="1.0" encoding="utf-8"?>
 <p:sld xmlns:a="http://schemas.openxmlformats.org/drawingml/2006/main" xmlns:r="http://schemas.openxmlformats.org/officeDocument/2006/relationships" xmlns:p="http://schemas.openxmlformats.org/presentationml/2006/main">
   <p:cSld>
